--- a/Cryptoproject.pptx
+++ b/Cryptoproject.pptx
@@ -6617,8 +6617,8 @@
         </p:nvSpPr>
         <p:spPr>
           <a:xfrm>
-            <a:off x="818178" y="2420203"/>
-            <a:ext cx="4521844" cy="646331"/>
+            <a:off x="5641382" y="5969654"/>
+            <a:ext cx="4521844" cy="523220"/>
           </a:xfrm>
           <a:prstGeom prst="rect">
             <a:avLst/>
@@ -6632,23 +6632,23 @@
           <a:lstStyle/>
           <a:p>
             <a:r>
-              <a:rPr lang="en-US" sz="3600" b="1" i="1" dirty="0">
+              <a:rPr lang="en-US" sz="2800" b="1" i="1" dirty="0">
                 <a:solidFill>
                   <a:srgbClr val="FF0000"/>
                 </a:solidFill>
               </a:rPr>
-              <a:t>184.5 Billions </a:t>
-            </a:r>
-            <a:endParaRPr lang="en-US" sz="3600" b="1" i="1" dirty="0"/>
+              <a:t>$184.5Billions </a:t>
+            </a:r>
+            <a:endParaRPr lang="en-US" sz="2800" b="1" i="1" dirty="0"/>
           </a:p>
         </p:txBody>
       </p:sp>
       <p:pic>
         <p:nvPicPr>
-          <p:cNvPr id="12" name="Picture 11">
-            <a:extLst>
-              <a:ext uri="{FF2B5EF4-FFF2-40B4-BE49-F238E27FC236}">
-                <a16:creationId xmlns:a16="http://schemas.microsoft.com/office/drawing/2014/main" id="{20BAFC4A-E408-F84F-8498-3A2BDFD5F6D7}"/>
+          <p:cNvPr id="6" name="Picture 5" descr="A picture containing text&#10;&#10;Description automatically generated">
+            <a:extLst>
+              <a:ext uri="{FF2B5EF4-FFF2-40B4-BE49-F238E27FC236}">
+                <a16:creationId xmlns:a16="http://schemas.microsoft.com/office/drawing/2014/main" id="{8EF25347-9314-134D-90B3-0A3AA7B8006D}"/>
               </a:ext>
             </a:extLst>
           </p:cNvPr>
@@ -6665,8 +6665,8 @@
         </p:blipFill>
         <p:spPr>
           <a:xfrm>
-            <a:off x="818178" y="2978452"/>
-            <a:ext cx="4184600" cy="2904238"/>
+            <a:off x="46039" y="2140504"/>
+            <a:ext cx="5099397" cy="4717496"/>
           </a:xfrm>
           <a:prstGeom prst="rect">
             <a:avLst/>

--- a/Cryptoproject.pptx
+++ b/Cryptoproject.pptx
@@ -6482,20 +6482,12 @@
               <a:buChar char="•"/>
             </a:pPr>
             <a:r>
-              <a:rPr lang="en-US" b="1">
-                <a:solidFill>
-                  <a:srgbClr val="FF0000"/>
-                </a:solidFill>
-              </a:rPr>
-              <a:t> $184.5 </a:t>
-            </a:r>
-            <a:r>
               <a:rPr lang="en-US" b="1" dirty="0">
                 <a:solidFill>
                   <a:srgbClr val="FF0000"/>
                 </a:solidFill>
               </a:rPr>
-              <a:t>Billions </a:t>
+              <a:t> $184.5 Billions </a:t>
             </a:r>
             <a:r>
               <a:rPr lang="en-US" dirty="0"/>
@@ -6509,11 +6501,11 @@
             </a:pPr>
             <a:r>
               <a:rPr lang="en-US" dirty="0"/>
-              <a:t>The most expensive coin </a:t>
+              <a:t>The most expensive coin</a:t>
             </a:r>
             <a:r>
               <a:rPr lang="en-US" b="1" dirty="0"/>
-              <a:t>RSK Smart Bitcoin  </a:t>
+              <a:t> Bitcoin  </a:t>
             </a:r>
             <a:r>
               <a:rPr lang="en-US" dirty="0"/>
@@ -6591,7 +6583,7 @@
             </a:pPr>
             <a:r>
               <a:rPr lang="en-US" b="1" dirty="0"/>
-              <a:t>Bitcoins don’t grow on trees)))</a:t>
+              <a:t>Bitcoins don’t grow on trees.</a:t>
             </a:r>
           </a:p>
           <a:p>
@@ -7023,7 +7015,7 @@
         </p:nvSpPr>
         <p:spPr>
           <a:xfrm>
-            <a:off x="838200" y="365127"/>
+            <a:off x="718039" y="402980"/>
             <a:ext cx="10515600" cy="315910"/>
           </a:xfrm>
         </p:spPr>
